--- a/public/award_third.pptx
+++ b/public/award_third.pptx
@@ -259,7 +259,7 @@
           <a:p>
             <a:fld id="{C7D10932-1787-4F52-973F-5DB5AA972CC5}" type="datetimeFigureOut">
               <a:rPr lang="zh-CN" altLang="en-US" smtClean="0"/>
-              <a:t>2025/2/6</a:t>
+              <a:t>2025/2/9</a:t>
             </a:fld>
             <a:endParaRPr lang="zh-CN" altLang="en-US"/>
           </a:p>
@@ -457,7 +457,7 @@
           <a:p>
             <a:fld id="{C7D10932-1787-4F52-973F-5DB5AA972CC5}" type="datetimeFigureOut">
               <a:rPr lang="zh-CN" altLang="en-US" smtClean="0"/>
-              <a:t>2025/2/6</a:t>
+              <a:t>2025/2/9</a:t>
             </a:fld>
             <a:endParaRPr lang="zh-CN" altLang="en-US"/>
           </a:p>
@@ -665,7 +665,7 @@
           <a:p>
             <a:fld id="{C7D10932-1787-4F52-973F-5DB5AA972CC5}" type="datetimeFigureOut">
               <a:rPr lang="zh-CN" altLang="en-US" smtClean="0"/>
-              <a:t>2025/2/6</a:t>
+              <a:t>2025/2/9</a:t>
             </a:fld>
             <a:endParaRPr lang="zh-CN" altLang="en-US"/>
           </a:p>
@@ -863,7 +863,7 @@
           <a:p>
             <a:fld id="{C7D10932-1787-4F52-973F-5DB5AA972CC5}" type="datetimeFigureOut">
               <a:rPr lang="zh-CN" altLang="en-US" smtClean="0"/>
-              <a:t>2025/2/6</a:t>
+              <a:t>2025/2/9</a:t>
             </a:fld>
             <a:endParaRPr lang="zh-CN" altLang="en-US"/>
           </a:p>
@@ -1138,7 +1138,7 @@
           <a:p>
             <a:fld id="{C7D10932-1787-4F52-973F-5DB5AA972CC5}" type="datetimeFigureOut">
               <a:rPr lang="zh-CN" altLang="en-US" smtClean="0"/>
-              <a:t>2025/2/6</a:t>
+              <a:t>2025/2/9</a:t>
             </a:fld>
             <a:endParaRPr lang="zh-CN" altLang="en-US"/>
           </a:p>
@@ -1403,7 +1403,7 @@
           <a:p>
             <a:fld id="{C7D10932-1787-4F52-973F-5DB5AA972CC5}" type="datetimeFigureOut">
               <a:rPr lang="zh-CN" altLang="en-US" smtClean="0"/>
-              <a:t>2025/2/6</a:t>
+              <a:t>2025/2/9</a:t>
             </a:fld>
             <a:endParaRPr lang="zh-CN" altLang="en-US"/>
           </a:p>
@@ -1815,7 +1815,7 @@
           <a:p>
             <a:fld id="{C7D10932-1787-4F52-973F-5DB5AA972CC5}" type="datetimeFigureOut">
               <a:rPr lang="zh-CN" altLang="en-US" smtClean="0"/>
-              <a:t>2025/2/6</a:t>
+              <a:t>2025/2/9</a:t>
             </a:fld>
             <a:endParaRPr lang="zh-CN" altLang="en-US"/>
           </a:p>
@@ -1956,7 +1956,7 @@
           <a:p>
             <a:fld id="{C7D10932-1787-4F52-973F-5DB5AA972CC5}" type="datetimeFigureOut">
               <a:rPr lang="zh-CN" altLang="en-US" smtClean="0"/>
-              <a:t>2025/2/6</a:t>
+              <a:t>2025/2/9</a:t>
             </a:fld>
             <a:endParaRPr lang="zh-CN" altLang="en-US"/>
           </a:p>
@@ -2069,7 +2069,7 @@
           <a:p>
             <a:fld id="{C7D10932-1787-4F52-973F-5DB5AA972CC5}" type="datetimeFigureOut">
               <a:rPr lang="zh-CN" altLang="en-US" smtClean="0"/>
-              <a:t>2025/2/6</a:t>
+              <a:t>2025/2/9</a:t>
             </a:fld>
             <a:endParaRPr lang="zh-CN" altLang="en-US"/>
           </a:p>
@@ -2380,7 +2380,7 @@
           <a:p>
             <a:fld id="{C7D10932-1787-4F52-973F-5DB5AA972CC5}" type="datetimeFigureOut">
               <a:rPr lang="zh-CN" altLang="en-US" smtClean="0"/>
-              <a:t>2025/2/6</a:t>
+              <a:t>2025/2/9</a:t>
             </a:fld>
             <a:endParaRPr lang="zh-CN" altLang="en-US"/>
           </a:p>
@@ -2668,7 +2668,7 @@
           <a:p>
             <a:fld id="{C7D10932-1787-4F52-973F-5DB5AA972CC5}" type="datetimeFigureOut">
               <a:rPr lang="zh-CN" altLang="en-US" smtClean="0"/>
-              <a:t>2025/2/6</a:t>
+              <a:t>2025/2/9</a:t>
             </a:fld>
             <a:endParaRPr lang="zh-CN" altLang="en-US"/>
           </a:p>
@@ -2909,7 +2909,7 @@
           <a:p>
             <a:fld id="{C7D10932-1787-4F52-973F-5DB5AA972CC5}" type="datetimeFigureOut">
               <a:rPr lang="zh-CN" altLang="en-US" smtClean="0"/>
-              <a:t>2025/2/6</a:t>
+              <a:t>2025/2/9</a:t>
             </a:fld>
             <a:endParaRPr lang="zh-CN" altLang="en-US"/>
           </a:p>
@@ -4698,7 +4698,7 @@
         </p:nvSpPr>
         <p:spPr>
           <a:xfrm>
-            <a:off x="10122358" y="6588927"/>
+            <a:off x="10122357" y="6588927"/>
             <a:ext cx="248786" cy="123111"/>
           </a:xfrm>
           <a:prstGeom prst="rect">
@@ -4714,7 +4714,7 @@
           <a:p>
             <a:pPr algn="ctr"/>
             <a:r>
-              <a:rPr lang="en-US" altLang="zh-CN" sz="200" dirty="0">
+              <a:rPr lang="en-US" altLang="zh-CN" sz="200">
                 <a:ln w="0"/>
                 <a:solidFill>
                   <a:schemeClr val="bg1"/>
@@ -4729,7 +4729,7 @@
                 <a:latin typeface="方正粗黑宋简体" panose="02000000000000000000" pitchFamily="2" charset="-122"/>
                 <a:ea typeface="方正粗黑宋简体" panose="02000000000000000000" pitchFamily="2" charset="-122"/>
               </a:rPr>
-              <a:t>3/232</a:t>
+              <a:t>3/256</a:t>
             </a:r>
             <a:endParaRPr lang="zh-CN" altLang="en-US" sz="200" dirty="0">
               <a:ln w="0"/>
